--- a/lesson8/java-loop.pptx
+++ b/lesson8/java-loop.pptx
@@ -296,7 +296,7 @@
             <a:fld id="{530820CF-B880-4189-942D-D702A7CBA730}" type="datetimeFigureOut">
               <a:rPr lang="zh-CN" altLang="en-US" smtClean="0"/>
               <a:pPr/>
-              <a:t>2015/4/16</a:t>
+              <a:t>2015/4/17</a:t>
             </a:fld>
             <a:endParaRPr lang="zh-CN" altLang="en-US"/>
           </a:p>
@@ -463,7 +463,7 @@
             <a:fld id="{530820CF-B880-4189-942D-D702A7CBA730}" type="datetimeFigureOut">
               <a:rPr lang="zh-CN" altLang="en-US" smtClean="0"/>
               <a:pPr/>
-              <a:t>2015/4/16</a:t>
+              <a:t>2015/4/17</a:t>
             </a:fld>
             <a:endParaRPr lang="zh-CN" altLang="en-US"/>
           </a:p>
@@ -640,7 +640,7 @@
             <a:fld id="{530820CF-B880-4189-942D-D702A7CBA730}" type="datetimeFigureOut">
               <a:rPr lang="zh-CN" altLang="en-US" smtClean="0"/>
               <a:pPr/>
-              <a:t>2015/4/16</a:t>
+              <a:t>2015/4/17</a:t>
             </a:fld>
             <a:endParaRPr lang="zh-CN" altLang="en-US"/>
           </a:p>
@@ -807,7 +807,7 @@
             <a:fld id="{530820CF-B880-4189-942D-D702A7CBA730}" type="datetimeFigureOut">
               <a:rPr lang="zh-CN" altLang="en-US" smtClean="0"/>
               <a:pPr/>
-              <a:t>2015/4/16</a:t>
+              <a:t>2015/4/17</a:t>
             </a:fld>
             <a:endParaRPr lang="zh-CN" altLang="en-US"/>
           </a:p>
@@ -1050,7 +1050,7 @@
             <a:fld id="{530820CF-B880-4189-942D-D702A7CBA730}" type="datetimeFigureOut">
               <a:rPr lang="zh-CN" altLang="en-US" smtClean="0"/>
               <a:pPr/>
-              <a:t>2015/4/16</a:t>
+              <a:t>2015/4/17</a:t>
             </a:fld>
             <a:endParaRPr lang="zh-CN" altLang="en-US"/>
           </a:p>
@@ -1335,7 +1335,7 @@
             <a:fld id="{530820CF-B880-4189-942D-D702A7CBA730}" type="datetimeFigureOut">
               <a:rPr lang="zh-CN" altLang="en-US" smtClean="0"/>
               <a:pPr/>
-              <a:t>2015/4/16</a:t>
+              <a:t>2015/4/17</a:t>
             </a:fld>
             <a:endParaRPr lang="zh-CN" altLang="en-US"/>
           </a:p>
@@ -1754,7 +1754,7 @@
             <a:fld id="{530820CF-B880-4189-942D-D702A7CBA730}" type="datetimeFigureOut">
               <a:rPr lang="zh-CN" altLang="en-US" smtClean="0"/>
               <a:pPr/>
-              <a:t>2015/4/16</a:t>
+              <a:t>2015/4/17</a:t>
             </a:fld>
             <a:endParaRPr lang="zh-CN" altLang="en-US"/>
           </a:p>
@@ -1869,7 +1869,7 @@
             <a:fld id="{530820CF-B880-4189-942D-D702A7CBA730}" type="datetimeFigureOut">
               <a:rPr lang="zh-CN" altLang="en-US" smtClean="0"/>
               <a:pPr/>
-              <a:t>2015/4/16</a:t>
+              <a:t>2015/4/17</a:t>
             </a:fld>
             <a:endParaRPr lang="zh-CN" altLang="en-US"/>
           </a:p>
@@ -1961,7 +1961,7 @@
             <a:fld id="{530820CF-B880-4189-942D-D702A7CBA730}" type="datetimeFigureOut">
               <a:rPr lang="zh-CN" altLang="en-US" smtClean="0"/>
               <a:pPr/>
-              <a:t>2015/4/16</a:t>
+              <a:t>2015/4/17</a:t>
             </a:fld>
             <a:endParaRPr lang="zh-CN" altLang="en-US"/>
           </a:p>
@@ -2235,7 +2235,7 @@
             <a:fld id="{530820CF-B880-4189-942D-D702A7CBA730}" type="datetimeFigureOut">
               <a:rPr lang="zh-CN" altLang="en-US" smtClean="0"/>
               <a:pPr/>
-              <a:t>2015/4/16</a:t>
+              <a:t>2015/4/17</a:t>
             </a:fld>
             <a:endParaRPr lang="zh-CN" altLang="en-US"/>
           </a:p>
@@ -2485,7 +2485,7 @@
             <a:fld id="{530820CF-B880-4189-942D-D702A7CBA730}" type="datetimeFigureOut">
               <a:rPr lang="zh-CN" altLang="en-US" smtClean="0"/>
               <a:pPr/>
-              <a:t>2015/4/16</a:t>
+              <a:t>2015/4/17</a:t>
             </a:fld>
             <a:endParaRPr lang="zh-CN" altLang="en-US"/>
           </a:p>
@@ -2695,7 +2695,7 @@
             <a:fld id="{530820CF-B880-4189-942D-D702A7CBA730}" type="datetimeFigureOut">
               <a:rPr lang="zh-CN" altLang="en-US" smtClean="0"/>
               <a:pPr/>
-              <a:t>2015/4/16</a:t>
+              <a:t>2015/4/17</a:t>
             </a:fld>
             <a:endParaRPr lang="zh-CN" altLang="en-US"/>
           </a:p>
@@ -3113,6 +3113,13 @@
   <p:clrMapOvr>
     <a:masterClrMapping/>
   </p:clrMapOvr>
+  <p:timing>
+    <p:tnLst>
+      <p:par>
+        <p:cTn id="1" dur="indefinite" restart="never" nodeType="tmRoot"/>
+      </p:par>
+    </p:tnLst>
+  </p:timing>
 </p:sld>
 </file>
 
@@ -3218,11 +3225,7 @@
           <a:p>
             <a:r>
               <a:rPr lang="zh-CN" altLang="en-US" dirty="0" smtClean="0"/>
-              <a:t>循环</a:t>
-            </a:r>
-            <a:r>
-              <a:rPr lang="zh-CN" altLang="en-US" dirty="0" smtClean="0"/>
-              <a:t>体可执行</a:t>
+              <a:t>循环体可执行</a:t>
             </a:r>
             <a:r>
               <a:rPr lang="en-US" altLang="zh-CN" dirty="0" smtClean="0"/>
@@ -3241,6 +3244,13 @@
   <p:clrMapOvr>
     <a:masterClrMapping/>
   </p:clrMapOvr>
+  <p:timing>
+    <p:tnLst>
+      <p:par>
+        <p:cTn id="1" dur="indefinite" restart="never" nodeType="tmRoot"/>
+      </p:par>
+    </p:tnLst>
+  </p:timing>
 </p:sld>
 </file>
 
@@ -3311,11 +3321,7 @@
           <a:p>
             <a:r>
               <a:rPr lang="en-US" altLang="zh-CN" dirty="0" smtClean="0"/>
-              <a:t> </a:t>
-            </a:r>
-            <a:r>
-              <a:rPr lang="en-US" altLang="zh-CN" dirty="0" smtClean="0"/>
-              <a:t> </a:t>
+              <a:t>  </a:t>
             </a:r>
             <a:r>
               <a:rPr lang="zh-CN" altLang="en-US" dirty="0" smtClean="0"/>
@@ -3350,11 +3356,7 @@
           <a:p>
             <a:r>
               <a:rPr lang="zh-CN" altLang="en-US" dirty="0" smtClean="0"/>
-              <a:t>循环</a:t>
-            </a:r>
-            <a:r>
-              <a:rPr lang="zh-CN" altLang="en-US" dirty="0" smtClean="0"/>
-              <a:t>体，至少执行一次</a:t>
+              <a:t>循环体，至少执行一次</a:t>
             </a:r>
             <a:endParaRPr lang="zh-CN" altLang="en-US" dirty="0"/>
           </a:p>
@@ -3365,6 +3367,13 @@
   <p:clrMapOvr>
     <a:masterClrMapping/>
   </p:clrMapOvr>
+  <p:timing>
+    <p:tnLst>
+      <p:par>
+        <p:cTn id="1" dur="indefinite" restart="never" nodeType="tmRoot"/>
+      </p:par>
+    </p:tnLst>
+  </p:timing>
 </p:sld>
 </file>
 
@@ -3452,11 +3461,7 @@
           <a:p>
             <a:r>
               <a:rPr lang="zh-CN" altLang="en-US" dirty="0" smtClean="0"/>
-              <a:t>通</a:t>
-            </a:r>
-            <a:r>
-              <a:rPr lang="zh-CN" altLang="en-US" dirty="0" smtClean="0"/>
-              <a:t>常</a:t>
+              <a:t>通常</a:t>
             </a:r>
             <a:r>
               <a:rPr lang="en-US" altLang="zh-CN" dirty="0" smtClean="0"/>
@@ -3494,11 +3499,7 @@
           <a:p>
             <a:r>
               <a:rPr lang="zh-CN" altLang="en-US" dirty="0" smtClean="0"/>
-              <a:t>执</a:t>
-            </a:r>
-            <a:r>
-              <a:rPr lang="zh-CN" altLang="en-US" dirty="0" smtClean="0"/>
-              <a:t>行</a:t>
+              <a:t>执行</a:t>
             </a:r>
             <a:r>
               <a:rPr lang="en-US" altLang="zh-CN" dirty="0" smtClean="0"/>
@@ -3517,6 +3518,13 @@
   <p:clrMapOvr>
     <a:masterClrMapping/>
   </p:clrMapOvr>
+  <p:timing>
+    <p:tnLst>
+      <p:par>
+        <p:cTn id="1" dur="indefinite" restart="never" nodeType="tmRoot"/>
+      </p:par>
+    </p:tnLst>
+  </p:timing>
 </p:sld>
 </file>
 
@@ -3631,15 +3639,7 @@
             </a:r>
             <a:r>
               <a:rPr lang="zh-CN" altLang="en-US" dirty="0" smtClean="0"/>
-              <a:t>不为空，则执行</a:t>
-            </a:r>
-            <a:r>
-              <a:rPr lang="zh-CN" altLang="en-US" dirty="0" smtClean="0"/>
-              <a:t>循环</a:t>
-            </a:r>
-            <a:r>
-              <a:rPr lang="zh-CN" altLang="en-US" dirty="0" smtClean="0"/>
-              <a:t>体。</a:t>
+              <a:t>不为空，则执行循环体。</a:t>
             </a:r>
             <a:endParaRPr lang="zh-CN" altLang="en-US" dirty="0"/>
           </a:p>
@@ -3650,6 +3650,13 @@
   <p:clrMapOvr>
     <a:masterClrMapping/>
   </p:clrMapOvr>
+  <p:timing>
+    <p:tnLst>
+      <p:par>
+        <p:cTn id="1" dur="indefinite" restart="never" nodeType="tmRoot"/>
+      </p:par>
+    </p:tnLst>
+  </p:timing>
 </p:sld>
 </file>
 
@@ -3706,7 +3713,7 @@
         <p:spPr/>
         <p:txBody>
           <a:bodyPr>
-            <a:normAutofit fontScale="77500" lnSpcReduction="20000"/>
+            <a:normAutofit fontScale="70000" lnSpcReduction="20000"/>
           </a:bodyPr>
           <a:lstStyle/>
           <a:p>
@@ -3727,18 +3734,22 @@
             </a:r>
             <a:r>
               <a:rPr lang="zh-CN" altLang="en-US" dirty="0" smtClean="0"/>
-              <a:t>是用于跳出当前的循环</a:t>
+              <a:t>是用</a:t>
+            </a:r>
+            <a:r>
+              <a:rPr lang="zh-CN" altLang="en-US" dirty="0" smtClean="0"/>
+              <a:t>于继续下次的</a:t>
+            </a:r>
+            <a:r>
+              <a:rPr lang="zh-CN" altLang="en-US" dirty="0" smtClean="0"/>
+              <a:t>循环</a:t>
             </a:r>
             <a:endParaRPr lang="en-US" altLang="zh-CN" dirty="0" smtClean="0"/>
           </a:p>
           <a:p>
             <a:r>
               <a:rPr lang="zh-CN" altLang="en-US" dirty="0" smtClean="0"/>
-              <a:t>例</a:t>
-            </a:r>
-            <a:r>
-              <a:rPr lang="zh-CN" altLang="en-US" dirty="0" smtClean="0"/>
-              <a:t>如</a:t>
+              <a:t>例如</a:t>
             </a:r>
             <a:endParaRPr lang="en-US" altLang="zh-CN" dirty="0" smtClean="0"/>
           </a:p>
@@ -3761,16 +3772,11 @@
               <a:rPr lang="en-US" altLang="zh-CN" dirty="0" smtClean="0"/>
               <a:t>++;</a:t>
             </a:r>
-            <a:endParaRPr lang="en-US" altLang="zh-CN" dirty="0" smtClean="0"/>
-          </a:p>
-          <a:p>
-            <a:r>
-              <a:rPr lang="en-US" altLang="zh-CN" dirty="0" smtClean="0"/>
-              <a:t> </a:t>
-            </a:r>
-            <a:r>
-              <a:rPr lang="en-US" altLang="zh-CN" dirty="0" smtClean="0"/>
-              <a:t> if (</a:t>
+          </a:p>
+          <a:p>
+            <a:r>
+              <a:rPr lang="en-US" altLang="zh-CN" dirty="0" smtClean="0"/>
+              <a:t>  if (</a:t>
             </a:r>
             <a:r>
               <a:rPr lang="en-US" altLang="zh-CN" dirty="0" err="1" smtClean="0"/>
@@ -3790,21 +3796,13 @@
           <a:p>
             <a:r>
               <a:rPr lang="en-US" altLang="zh-CN" dirty="0" smtClean="0"/>
-              <a:t>while(true</a:t>
-            </a:r>
-            <a:r>
-              <a:rPr lang="en-US" altLang="zh-CN" dirty="0" smtClean="0"/>
-              <a:t>){</a:t>
-            </a:r>
-          </a:p>
-          <a:p>
-            <a:r>
-              <a:rPr lang="en-US" altLang="zh-CN" dirty="0" smtClean="0"/>
-              <a:t> </a:t>
-            </a:r>
-            <a:r>
-              <a:rPr lang="en-US" altLang="zh-CN" dirty="0" smtClean="0"/>
-              <a:t> </a:t>
+              <a:t>while(true){</a:t>
+            </a:r>
+          </a:p>
+          <a:p>
+            <a:r>
+              <a:rPr lang="en-US" altLang="zh-CN" dirty="0" smtClean="0"/>
+              <a:t>  </a:t>
             </a:r>
             <a:r>
               <a:rPr lang="en-US" altLang="zh-CN" dirty="0" err="1" smtClean="0"/>
@@ -3814,7 +3812,6 @@
               <a:rPr lang="en-US" altLang="zh-CN" dirty="0" smtClean="0"/>
               <a:t>++;</a:t>
             </a:r>
-            <a:endParaRPr lang="en-US" altLang="zh-CN" dirty="0" smtClean="0"/>
           </a:p>
           <a:p>
             <a:r>
@@ -3827,11 +3824,29 @@
             </a:r>
             <a:r>
               <a:rPr lang="en-US" altLang="zh-CN" dirty="0" smtClean="0"/>
-              <a:t> &gt; 10) </a:t>
-            </a:r>
-            <a:r>
-              <a:rPr lang="en-US" altLang="zh-CN" dirty="0" smtClean="0"/>
-              <a:t>continue;</a:t>
+              <a:t> &gt; 10) continue</a:t>
+            </a:r>
+            <a:r>
+              <a:rPr lang="en-US" altLang="zh-CN" dirty="0" smtClean="0"/>
+              <a:t>;</a:t>
+            </a:r>
+          </a:p>
+          <a:p>
+            <a:r>
+              <a:rPr lang="en-US" altLang="zh-CN" dirty="0" smtClean="0"/>
+              <a:t> </a:t>
+            </a:r>
+            <a:r>
+              <a:rPr lang="en-US" altLang="zh-CN" dirty="0" smtClean="0"/>
+              <a:t> </a:t>
+            </a:r>
+            <a:r>
+              <a:rPr lang="en-US" altLang="zh-CN" dirty="0" err="1" smtClean="0"/>
+              <a:t>i</a:t>
+            </a:r>
+            <a:r>
+              <a:rPr lang="en-US" altLang="zh-CN" dirty="0" smtClean="0"/>
+              <a:t>++;</a:t>
             </a:r>
             <a:endParaRPr lang="en-US" altLang="zh-CN" dirty="0" smtClean="0"/>
           </a:p>
@@ -3852,6 +3867,13 @@
   <p:clrMapOvr>
     <a:masterClrMapping/>
   </p:clrMapOvr>
+  <p:timing>
+    <p:tnLst>
+      <p:par>
+        <p:cTn id="1" dur="indefinite" restart="never" nodeType="tmRoot"/>
+      </p:par>
+    </p:tnLst>
+  </p:timing>
 </p:sld>
 </file>
 
@@ -3889,11 +3911,7 @@
           <a:p>
             <a:r>
               <a:rPr lang="zh-CN" altLang="en-US" dirty="0" smtClean="0"/>
-              <a:t>循</a:t>
-            </a:r>
-            <a:r>
-              <a:rPr lang="zh-CN" altLang="en-US" dirty="0" smtClean="0"/>
-              <a:t>环嵌套</a:t>
+              <a:t>循环嵌套</a:t>
             </a:r>
             <a:endParaRPr lang="zh-CN" altLang="en-US" dirty="0"/>
           </a:p>
@@ -3923,11 +3941,7 @@
           <a:p>
             <a:r>
               <a:rPr lang="zh-CN" altLang="en-US" dirty="0" smtClean="0"/>
-              <a:t>注</a:t>
-            </a:r>
-            <a:r>
-              <a:rPr lang="zh-CN" altLang="en-US" dirty="0" smtClean="0"/>
-              <a:t>意跳出条件，避免</a:t>
+              <a:t>注意跳出条件，避免</a:t>
             </a:r>
             <a:r>
               <a:rPr lang="zh-CN" altLang="en-US" b="1" dirty="0" smtClean="0"/>
@@ -3942,6 +3956,13 @@
   <p:clrMapOvr>
     <a:masterClrMapping/>
   </p:clrMapOvr>
+  <p:timing>
+    <p:tnLst>
+      <p:par>
+        <p:cTn id="1" dur="indefinite" restart="never" nodeType="tmRoot"/>
+      </p:par>
+    </p:tnLst>
+  </p:timing>
 </p:sld>
 </file>
 
@@ -4009,33 +4030,21 @@
           <a:p>
             <a:r>
               <a:rPr lang="zh-CN" altLang="en-US" dirty="0" smtClean="0"/>
-              <a:t>输</a:t>
-            </a:r>
+              <a:t>输入：用户输入若干个整形数字（成绩）</a:t>
+            </a:r>
+            <a:endParaRPr lang="en-US" altLang="zh-CN" dirty="0" smtClean="0"/>
+          </a:p>
+          <a:p>
             <a:r>
               <a:rPr lang="zh-CN" altLang="en-US" dirty="0" smtClean="0"/>
-              <a:t>入：用户输入若干个整形数字（成绩）</a:t>
+              <a:t>输出：平均成绩</a:t>
             </a:r>
             <a:endParaRPr lang="en-US" altLang="zh-CN" dirty="0" smtClean="0"/>
           </a:p>
           <a:p>
             <a:r>
               <a:rPr lang="zh-CN" altLang="en-US" dirty="0" smtClean="0"/>
-              <a:t>输</a:t>
-            </a:r>
-            <a:r>
-              <a:rPr lang="zh-CN" altLang="en-US" dirty="0" smtClean="0"/>
-              <a:t>出：平均成绩</a:t>
-            </a:r>
-            <a:endParaRPr lang="en-US" altLang="zh-CN" dirty="0" smtClean="0"/>
-          </a:p>
-          <a:p>
-            <a:r>
-              <a:rPr lang="zh-CN" altLang="en-US" dirty="0" smtClean="0"/>
-              <a:t>函</a:t>
-            </a:r>
-            <a:r>
-              <a:rPr lang="zh-CN" altLang="en-US" dirty="0" smtClean="0"/>
-              <a:t>数原型：</a:t>
+              <a:t>函数原型：</a:t>
             </a:r>
             <a:r>
               <a:rPr lang="en-US" altLang="zh-CN" dirty="0" smtClean="0"/>
@@ -4061,23 +4070,15 @@
           <a:p>
             <a:r>
               <a:rPr lang="zh-CN" altLang="en-US" dirty="0" smtClean="0"/>
-              <a:t>要</a:t>
-            </a:r>
+              <a:t>要求：</a:t>
+            </a:r>
+            <a:endParaRPr lang="en-US" altLang="zh-CN" dirty="0" smtClean="0"/>
+          </a:p>
+          <a:p>
+            <a:pPr lvl="1"/>
             <a:r>
               <a:rPr lang="zh-CN" altLang="en-US" dirty="0" smtClean="0"/>
-              <a:t>求：</a:t>
-            </a:r>
-            <a:endParaRPr lang="en-US" altLang="zh-CN" dirty="0" smtClean="0"/>
-          </a:p>
-          <a:p>
-            <a:pPr lvl="1"/>
-            <a:r>
-              <a:rPr lang="zh-CN" altLang="en-US" dirty="0" smtClean="0"/>
-              <a:t>使</a:t>
-            </a:r>
-            <a:r>
-              <a:rPr lang="zh-CN" altLang="en-US" dirty="0" smtClean="0"/>
-              <a:t>用</a:t>
+              <a:t>使用</a:t>
             </a:r>
             <a:r>
               <a:rPr lang="en-US" altLang="zh-CN" dirty="0" smtClean="0"/>
